--- a/2. Report/Flowchart.pptx
+++ b/2. Report/Flowchart.pptx
@@ -2899,7 +2899,7 @@
           <a:p>
             <a:fld id="{57C913B7-E627-499C-92A4-13E0AB722008}" type="datetimeFigureOut">
               <a:rPr lang="en-US" smtClean="0"/>
-              <a:t>7/3/2023</a:t>
+              <a:t>7/8/2023</a:t>
             </a:fld>
             <a:endParaRPr lang="en-US"/>
           </a:p>
@@ -3097,7 +3097,7 @@
           <a:p>
             <a:fld id="{57C913B7-E627-499C-92A4-13E0AB722008}" type="datetimeFigureOut">
               <a:rPr lang="en-US" smtClean="0"/>
-              <a:t>7/3/2023</a:t>
+              <a:t>7/8/2023</a:t>
             </a:fld>
             <a:endParaRPr lang="en-US"/>
           </a:p>
@@ -3305,7 +3305,7 @@
           <a:p>
             <a:fld id="{57C913B7-E627-499C-92A4-13E0AB722008}" type="datetimeFigureOut">
               <a:rPr lang="en-US" smtClean="0"/>
-              <a:t>7/3/2023</a:t>
+              <a:t>7/8/2023</a:t>
             </a:fld>
             <a:endParaRPr lang="en-US"/>
           </a:p>
@@ -3503,7 +3503,7 @@
           <a:p>
             <a:fld id="{57C913B7-E627-499C-92A4-13E0AB722008}" type="datetimeFigureOut">
               <a:rPr lang="en-US" smtClean="0"/>
-              <a:t>7/3/2023</a:t>
+              <a:t>7/8/2023</a:t>
             </a:fld>
             <a:endParaRPr lang="en-US"/>
           </a:p>
@@ -3778,7 +3778,7 @@
           <a:p>
             <a:fld id="{57C913B7-E627-499C-92A4-13E0AB722008}" type="datetimeFigureOut">
               <a:rPr lang="en-US" smtClean="0"/>
-              <a:t>7/3/2023</a:t>
+              <a:t>7/8/2023</a:t>
             </a:fld>
             <a:endParaRPr lang="en-US"/>
           </a:p>
@@ -4043,7 +4043,7 @@
           <a:p>
             <a:fld id="{57C913B7-E627-499C-92A4-13E0AB722008}" type="datetimeFigureOut">
               <a:rPr lang="en-US" smtClean="0"/>
-              <a:t>7/3/2023</a:t>
+              <a:t>7/8/2023</a:t>
             </a:fld>
             <a:endParaRPr lang="en-US"/>
           </a:p>
@@ -4455,7 +4455,7 @@
           <a:p>
             <a:fld id="{57C913B7-E627-499C-92A4-13E0AB722008}" type="datetimeFigureOut">
               <a:rPr lang="en-US" smtClean="0"/>
-              <a:t>7/3/2023</a:t>
+              <a:t>7/8/2023</a:t>
             </a:fld>
             <a:endParaRPr lang="en-US"/>
           </a:p>
@@ -4596,7 +4596,7 @@
           <a:p>
             <a:fld id="{57C913B7-E627-499C-92A4-13E0AB722008}" type="datetimeFigureOut">
               <a:rPr lang="en-US" smtClean="0"/>
-              <a:t>7/3/2023</a:t>
+              <a:t>7/8/2023</a:t>
             </a:fld>
             <a:endParaRPr lang="en-US"/>
           </a:p>
@@ -4709,7 +4709,7 @@
           <a:p>
             <a:fld id="{57C913B7-E627-499C-92A4-13E0AB722008}" type="datetimeFigureOut">
               <a:rPr lang="en-US" smtClean="0"/>
-              <a:t>7/3/2023</a:t>
+              <a:t>7/8/2023</a:t>
             </a:fld>
             <a:endParaRPr lang="en-US"/>
           </a:p>
@@ -5020,7 +5020,7 @@
           <a:p>
             <a:fld id="{57C913B7-E627-499C-92A4-13E0AB722008}" type="datetimeFigureOut">
               <a:rPr lang="en-US" smtClean="0"/>
-              <a:t>7/3/2023</a:t>
+              <a:t>7/8/2023</a:t>
             </a:fld>
             <a:endParaRPr lang="en-US"/>
           </a:p>
@@ -5308,7 +5308,7 @@
           <a:p>
             <a:fld id="{57C913B7-E627-499C-92A4-13E0AB722008}" type="datetimeFigureOut">
               <a:rPr lang="en-US" smtClean="0"/>
-              <a:t>7/3/2023</a:t>
+              <a:t>7/8/2023</a:t>
             </a:fld>
             <a:endParaRPr lang="en-US"/>
           </a:p>
@@ -5549,7 +5549,7 @@
           <a:p>
             <a:fld id="{57C913B7-E627-499C-92A4-13E0AB722008}" type="datetimeFigureOut">
               <a:rPr lang="en-US" smtClean="0"/>
-              <a:t>7/3/2023</a:t>
+              <a:t>7/8/2023</a:t>
             </a:fld>
             <a:endParaRPr lang="en-US"/>
           </a:p>
@@ -7185,7 +7185,7 @@
             </a:br>
             <a:r>
               <a:rPr lang="en-US" sz="1200" dirty="0"/>
-              <a:t>(MLR, Reg Tree, SARIMA, XGB)</a:t>
+              <a:t>(MLR, XGB, Reg Tree, ARIMA, )</a:t>
             </a:r>
           </a:p>
         </p:txBody>
@@ -7344,7 +7344,7 @@
             </a:br>
             <a:r>
               <a:rPr lang="en-US" sz="1200" dirty="0"/>
-              <a:t>(Manual &amp; </a:t>
+              <a:t>(Manual, </a:t>
             </a:r>
             <a:r>
               <a:rPr lang="en-US" sz="1200" dirty="0" err="1"/>
@@ -7352,7 +7352,7 @@
             </a:r>
             <a:r>
               <a:rPr lang="en-US" sz="1200" dirty="0"/>
-              <a:t>)</a:t>
+              <a:t>, CV)</a:t>
             </a:r>
           </a:p>
         </p:txBody>

--- a/2. Report/Flowchart.pptx
+++ b/2. Report/Flowchart.pptx
@@ -2899,7 +2899,7 @@
           <a:p>
             <a:fld id="{57C913B7-E627-499C-92A4-13E0AB722008}" type="datetimeFigureOut">
               <a:rPr lang="en-US" smtClean="0"/>
-              <a:t>7/8/2023</a:t>
+              <a:t>7/9/2023</a:t>
             </a:fld>
             <a:endParaRPr lang="en-US"/>
           </a:p>
@@ -3097,7 +3097,7 @@
           <a:p>
             <a:fld id="{57C913B7-E627-499C-92A4-13E0AB722008}" type="datetimeFigureOut">
               <a:rPr lang="en-US" smtClean="0"/>
-              <a:t>7/8/2023</a:t>
+              <a:t>7/9/2023</a:t>
             </a:fld>
             <a:endParaRPr lang="en-US"/>
           </a:p>
@@ -3305,7 +3305,7 @@
           <a:p>
             <a:fld id="{57C913B7-E627-499C-92A4-13E0AB722008}" type="datetimeFigureOut">
               <a:rPr lang="en-US" smtClean="0"/>
-              <a:t>7/8/2023</a:t>
+              <a:t>7/9/2023</a:t>
             </a:fld>
             <a:endParaRPr lang="en-US"/>
           </a:p>
@@ -3503,7 +3503,7 @@
           <a:p>
             <a:fld id="{57C913B7-E627-499C-92A4-13E0AB722008}" type="datetimeFigureOut">
               <a:rPr lang="en-US" smtClean="0"/>
-              <a:t>7/8/2023</a:t>
+              <a:t>7/9/2023</a:t>
             </a:fld>
             <a:endParaRPr lang="en-US"/>
           </a:p>
@@ -3778,7 +3778,7 @@
           <a:p>
             <a:fld id="{57C913B7-E627-499C-92A4-13E0AB722008}" type="datetimeFigureOut">
               <a:rPr lang="en-US" smtClean="0"/>
-              <a:t>7/8/2023</a:t>
+              <a:t>7/9/2023</a:t>
             </a:fld>
             <a:endParaRPr lang="en-US"/>
           </a:p>
@@ -4043,7 +4043,7 @@
           <a:p>
             <a:fld id="{57C913B7-E627-499C-92A4-13E0AB722008}" type="datetimeFigureOut">
               <a:rPr lang="en-US" smtClean="0"/>
-              <a:t>7/8/2023</a:t>
+              <a:t>7/9/2023</a:t>
             </a:fld>
             <a:endParaRPr lang="en-US"/>
           </a:p>
@@ -4455,7 +4455,7 @@
           <a:p>
             <a:fld id="{57C913B7-E627-499C-92A4-13E0AB722008}" type="datetimeFigureOut">
               <a:rPr lang="en-US" smtClean="0"/>
-              <a:t>7/8/2023</a:t>
+              <a:t>7/9/2023</a:t>
             </a:fld>
             <a:endParaRPr lang="en-US"/>
           </a:p>
@@ -4596,7 +4596,7 @@
           <a:p>
             <a:fld id="{57C913B7-E627-499C-92A4-13E0AB722008}" type="datetimeFigureOut">
               <a:rPr lang="en-US" smtClean="0"/>
-              <a:t>7/8/2023</a:t>
+              <a:t>7/9/2023</a:t>
             </a:fld>
             <a:endParaRPr lang="en-US"/>
           </a:p>
@@ -4709,7 +4709,7 @@
           <a:p>
             <a:fld id="{57C913B7-E627-499C-92A4-13E0AB722008}" type="datetimeFigureOut">
               <a:rPr lang="en-US" smtClean="0"/>
-              <a:t>7/8/2023</a:t>
+              <a:t>7/9/2023</a:t>
             </a:fld>
             <a:endParaRPr lang="en-US"/>
           </a:p>
@@ -5020,7 +5020,7 @@
           <a:p>
             <a:fld id="{57C913B7-E627-499C-92A4-13E0AB722008}" type="datetimeFigureOut">
               <a:rPr lang="en-US" smtClean="0"/>
-              <a:t>7/8/2023</a:t>
+              <a:t>7/9/2023</a:t>
             </a:fld>
             <a:endParaRPr lang="en-US"/>
           </a:p>
@@ -5308,7 +5308,7 @@
           <a:p>
             <a:fld id="{57C913B7-E627-499C-92A4-13E0AB722008}" type="datetimeFigureOut">
               <a:rPr lang="en-US" smtClean="0"/>
-              <a:t>7/8/2023</a:t>
+              <a:t>7/9/2023</a:t>
             </a:fld>
             <a:endParaRPr lang="en-US"/>
           </a:p>
@@ -5549,7 +5549,7 @@
           <a:p>
             <a:fld id="{57C913B7-E627-499C-92A4-13E0AB722008}" type="datetimeFigureOut">
               <a:rPr lang="en-US" smtClean="0"/>
-              <a:t>7/8/2023</a:t>
+              <a:t>7/9/2023</a:t>
             </a:fld>
             <a:endParaRPr lang="en-US"/>
           </a:p>
@@ -6502,14 +6502,7 @@
             </a:br>
             <a:r>
               <a:rPr lang="en-US" sz="1200" dirty="0"/>
-              <a:t>(Combination</a:t>
-            </a:r>
-            <a:br>
-              <a:rPr lang="en-US" sz="1200" dirty="0"/>
-            </a:br>
-            <a:r>
-              <a:rPr lang="en-US" sz="1200" dirty="0"/>
-              <a:t>CAISO + </a:t>
+              <a:t>(CAISO + </a:t>
             </a:r>
             <a:r>
               <a:rPr lang="en-US" sz="1200" dirty="0" err="1"/>
@@ -6517,6 +6510,14 @@
             </a:r>
             <a:r>
               <a:rPr lang="en-US" sz="1200" dirty="0"/>
+              <a:t> + </a:t>
+            </a:r>
+            <a:r>
+              <a:rPr lang="en-US" sz="1200" dirty="0" err="1"/>
+              <a:t>pvlib</a:t>
+            </a:r>
+            <a:r>
+              <a:rPr lang="en-US" sz="1200" dirty="0"/>
               <a:t>)</a:t>
             </a:r>
           </a:p>
@@ -6536,8 +6537,8 @@
         </p:nvSpPr>
         <p:spPr>
           <a:xfrm>
-            <a:off x="2878685" y="5976117"/>
-            <a:ext cx="440268" cy="372533"/>
+            <a:off x="2874901" y="5911461"/>
+            <a:ext cx="440268" cy="239465"/>
           </a:xfrm>
           <a:prstGeom prst="flowChartMagneticDisk">
             <a:avLst/>
@@ -7096,8 +7097,8 @@
         </p:nvSpPr>
         <p:spPr>
           <a:xfrm>
-            <a:off x="2878685" y="6176563"/>
-            <a:ext cx="440268" cy="352842"/>
+            <a:off x="2875222" y="6088859"/>
+            <a:ext cx="440268" cy="165894"/>
           </a:xfrm>
           <a:prstGeom prst="flowChartMagneticDisk">
             <a:avLst/>
@@ -7185,7 +7186,7 @@
             </a:br>
             <a:r>
               <a:rPr lang="en-US" sz="1200" dirty="0"/>
-              <a:t>(MLR, XGB, Reg Tree, ARIMA, )</a:t>
+              <a:t>(MLR, XGB, Reg Tree, ARIMA, Autoregressive)</a:t>
             </a:r>
           </a:p>
         </p:txBody>
@@ -7674,6 +7675,53 @@
           </a:graphicData>
         </a:graphic>
       </p:graphicFrame>
+      <p:sp>
+        <p:nvSpPr>
+          <p:cNvPr id="2" name="Flowchart: Magnetic Disk 1">
+            <a:extLst>
+              <a:ext uri="{FF2B5EF4-FFF2-40B4-BE49-F238E27FC236}">
+                <a16:creationId xmlns:a16="http://schemas.microsoft.com/office/drawing/2014/main" id="{AD5BA314-AB5C-9AE7-972D-01FE936DA0AA}"/>
+              </a:ext>
+            </a:extLst>
+          </p:cNvPr>
+          <p:cNvSpPr/>
+          <p:nvPr/>
+        </p:nvSpPr>
+        <p:spPr>
+          <a:xfrm>
+            <a:off x="2875222" y="6209038"/>
+            <a:ext cx="440268" cy="189020"/>
+          </a:xfrm>
+          <a:prstGeom prst="flowChartMagneticDisk">
+            <a:avLst/>
+          </a:prstGeom>
+          <a:solidFill>
+            <a:schemeClr val="accent6"/>
+          </a:solidFill>
+        </p:spPr>
+        <p:style>
+          <a:lnRef idx="3">
+            <a:schemeClr val="lt1"/>
+          </a:lnRef>
+          <a:fillRef idx="1">
+            <a:schemeClr val="accent1"/>
+          </a:fillRef>
+          <a:effectRef idx="1">
+            <a:schemeClr val="accent1"/>
+          </a:effectRef>
+          <a:fontRef idx="minor">
+            <a:schemeClr val="lt1"/>
+          </a:fontRef>
+        </p:style>
+        <p:txBody>
+          <a:bodyPr rtlCol="0" anchor="ctr"/>
+          <a:lstStyle/>
+          <a:p>
+            <a:pPr algn="ctr"/>
+            <a:endParaRPr lang="en-US"/>
+          </a:p>
+        </p:txBody>
+      </p:sp>
     </p:spTree>
     <p:extLst>
       <p:ext uri="{BB962C8B-B14F-4D97-AF65-F5344CB8AC3E}">
